--- a/TimeSheetApp/Final Presentation_2.pptx
+++ b/TimeSheetApp/Final Presentation_2.pptx
@@ -213,7 +213,7 @@
             <a:fld id="{F35F959D-C642-43BA-ADC2-BDA230594754}" type="datetimeFigureOut">
               <a:rPr lang="en-US" smtClean="0"/>
               <a:pPr/>
-              <a:t>5/7/2013</a:t>
+              <a:t>5/8/2013</a:t>
             </a:fld>
             <a:endParaRPr lang="en-US"/>
           </a:p>
@@ -508,7 +508,7 @@
           <a:blip r:embed="rId2" cstate="print">
             <a:extLst>
               <a:ext uri="{28A0092B-C50C-407E-A947-70E740481C1C}">
-                <a14:useLocalDpi xmlns:a14="http://schemas.microsoft.com/office/drawing/2010/main" xmlns="" val="0"/>
+                <a14:useLocalDpi xmlns="" xmlns:a14="http://schemas.microsoft.com/office/drawing/2010/main" val="0"/>
               </a:ext>
             </a:extLst>
           </a:blip>
@@ -531,14 +531,14 @@
           </a:ln>
           <a:extLst>
             <a:ext uri="{909E8E84-426E-40DD-AFC4-6F175D3DCCD1}">
-              <a14:hiddenFill xmlns:a14="http://schemas.microsoft.com/office/drawing/2010/main" xmlns="">
+              <a14:hiddenFill xmlns="" xmlns:a14="http://schemas.microsoft.com/office/drawing/2010/main">
                 <a:solidFill>
                   <a:srgbClr val="FFFFFF"/>
                 </a:solidFill>
               </a14:hiddenFill>
             </a:ext>
             <a:ext uri="{91240B29-F687-4F45-9708-019B960494DF}">
-              <a14:hiddenLine xmlns:a14="http://schemas.microsoft.com/office/drawing/2010/main" xmlns="" w="9525">
+              <a14:hiddenLine xmlns="" xmlns:a14="http://schemas.microsoft.com/office/drawing/2010/main" w="9525">
                 <a:solidFill>
                   <a:srgbClr val="000000"/>
                 </a:solidFill>
@@ -562,7 +562,7 @@
           <a:blip r:embed="rId3" cstate="print">
             <a:extLst>
               <a:ext uri="{28A0092B-C50C-407E-A947-70E740481C1C}">
-                <a14:useLocalDpi xmlns:a14="http://schemas.microsoft.com/office/drawing/2010/main" xmlns="" val="0"/>
+                <a14:useLocalDpi xmlns="" xmlns:a14="http://schemas.microsoft.com/office/drawing/2010/main" val="0"/>
               </a:ext>
             </a:extLst>
           </a:blip>
@@ -585,14 +585,14 @@
           </a:ln>
           <a:extLst>
             <a:ext uri="{909E8E84-426E-40DD-AFC4-6F175D3DCCD1}">
-              <a14:hiddenFill xmlns:a14="http://schemas.microsoft.com/office/drawing/2010/main" xmlns="">
+              <a14:hiddenFill xmlns="" xmlns:a14="http://schemas.microsoft.com/office/drawing/2010/main">
                 <a:solidFill>
                   <a:srgbClr val="FFFFFF"/>
                 </a:solidFill>
               </a14:hiddenFill>
             </a:ext>
             <a:ext uri="{91240B29-F687-4F45-9708-019B960494DF}">
-              <a14:hiddenLine xmlns:a14="http://schemas.microsoft.com/office/drawing/2010/main" xmlns="" w="9525">
+              <a14:hiddenLine xmlns="" xmlns:a14="http://schemas.microsoft.com/office/drawing/2010/main" w="9525">
                 <a:solidFill>
                   <a:srgbClr val="000000"/>
                 </a:solidFill>
@@ -616,7 +616,7 @@
           <a:blip r:embed="rId4" cstate="print">
             <a:extLst>
               <a:ext uri="{28A0092B-C50C-407E-A947-70E740481C1C}">
-                <a14:useLocalDpi xmlns:a14="http://schemas.microsoft.com/office/drawing/2010/main" xmlns="" val="0"/>
+                <a14:useLocalDpi xmlns="" xmlns:a14="http://schemas.microsoft.com/office/drawing/2010/main" val="0"/>
               </a:ext>
             </a:extLst>
           </a:blip>
@@ -639,14 +639,14 @@
           </a:ln>
           <a:extLst>
             <a:ext uri="{909E8E84-426E-40DD-AFC4-6F175D3DCCD1}">
-              <a14:hiddenFill xmlns:a14="http://schemas.microsoft.com/office/drawing/2010/main" xmlns="">
+              <a14:hiddenFill xmlns="" xmlns:a14="http://schemas.microsoft.com/office/drawing/2010/main">
                 <a:solidFill>
                   <a:srgbClr val="FFFFFF"/>
                 </a:solidFill>
               </a14:hiddenFill>
             </a:ext>
             <a:ext uri="{91240B29-F687-4F45-9708-019B960494DF}">
-              <a14:hiddenLine xmlns:a14="http://schemas.microsoft.com/office/drawing/2010/main" xmlns="" w="9525">
+              <a14:hiddenLine xmlns="" xmlns:a14="http://schemas.microsoft.com/office/drawing/2010/main" w="9525">
                 <a:solidFill>
                   <a:srgbClr val="000000"/>
                 </a:solidFill>
@@ -727,7 +727,7 @@
     </p:spTree>
     <p:extLst>
       <p:ext uri="{BB962C8B-B14F-4D97-AF65-F5344CB8AC3E}">
-        <p14:creationId xmlns:p14="http://schemas.microsoft.com/office/powerpoint/2010/main" xmlns="" val="3095167685"/>
+        <p14:creationId xmlns="" xmlns:p14="http://schemas.microsoft.com/office/powerpoint/2010/main" val="3095167685"/>
       </p:ext>
     </p:extLst>
   </p:cSld>
@@ -835,7 +835,7 @@
     </p:spTree>
     <p:extLst>
       <p:ext uri="{BB962C8B-B14F-4D97-AF65-F5344CB8AC3E}">
-        <p14:creationId xmlns:p14="http://schemas.microsoft.com/office/powerpoint/2010/main" xmlns="" val="898476028"/>
+        <p14:creationId xmlns="" xmlns:p14="http://schemas.microsoft.com/office/powerpoint/2010/main" val="898476028"/>
       </p:ext>
     </p:extLst>
   </p:cSld>
@@ -953,7 +953,7 @@
     </p:spTree>
     <p:extLst>
       <p:ext uri="{BB962C8B-B14F-4D97-AF65-F5344CB8AC3E}">
-        <p14:creationId xmlns:p14="http://schemas.microsoft.com/office/powerpoint/2010/main" xmlns="" val="3990433104"/>
+        <p14:creationId xmlns="" xmlns:p14="http://schemas.microsoft.com/office/powerpoint/2010/main" val="3990433104"/>
       </p:ext>
     </p:extLst>
   </p:cSld>
@@ -1061,7 +1061,7 @@
     </p:spTree>
     <p:extLst>
       <p:ext uri="{BB962C8B-B14F-4D97-AF65-F5344CB8AC3E}">
-        <p14:creationId xmlns:p14="http://schemas.microsoft.com/office/powerpoint/2010/main" xmlns="" val="3735728673"/>
+        <p14:creationId xmlns="" xmlns:p14="http://schemas.microsoft.com/office/powerpoint/2010/main" val="3735728673"/>
       </p:ext>
     </p:extLst>
   </p:cSld>
@@ -1191,7 +1191,7 @@
     </p:spTree>
     <p:extLst>
       <p:ext uri="{BB962C8B-B14F-4D97-AF65-F5344CB8AC3E}">
-        <p14:creationId xmlns:p14="http://schemas.microsoft.com/office/powerpoint/2010/main" xmlns="" val="4251202360"/>
+        <p14:creationId xmlns="" xmlns:p14="http://schemas.microsoft.com/office/powerpoint/2010/main" val="4251202360"/>
       </p:ext>
     </p:extLst>
   </p:cSld>
@@ -1417,7 +1417,7 @@
     </p:spTree>
     <p:extLst>
       <p:ext uri="{BB962C8B-B14F-4D97-AF65-F5344CB8AC3E}">
-        <p14:creationId xmlns:p14="http://schemas.microsoft.com/office/powerpoint/2010/main" xmlns="" val="1464719488"/>
+        <p14:creationId xmlns="" xmlns:p14="http://schemas.microsoft.com/office/powerpoint/2010/main" val="1464719488"/>
       </p:ext>
     </p:extLst>
   </p:cSld>
@@ -1782,7 +1782,7 @@
     </p:spTree>
     <p:extLst>
       <p:ext uri="{BB962C8B-B14F-4D97-AF65-F5344CB8AC3E}">
-        <p14:creationId xmlns:p14="http://schemas.microsoft.com/office/powerpoint/2010/main" xmlns="" val="308598604"/>
+        <p14:creationId xmlns="" xmlns:p14="http://schemas.microsoft.com/office/powerpoint/2010/main" val="308598604"/>
       </p:ext>
     </p:extLst>
   </p:cSld>
@@ -1838,7 +1838,7 @@
     </p:spTree>
     <p:extLst>
       <p:ext uri="{BB962C8B-B14F-4D97-AF65-F5344CB8AC3E}">
-        <p14:creationId xmlns:p14="http://schemas.microsoft.com/office/powerpoint/2010/main" xmlns="" val="2209338284"/>
+        <p14:creationId xmlns="" xmlns:p14="http://schemas.microsoft.com/office/powerpoint/2010/main" val="2209338284"/>
       </p:ext>
     </p:extLst>
   </p:cSld>
@@ -1871,7 +1871,7 @@
     </p:spTree>
     <p:extLst>
       <p:ext uri="{BB962C8B-B14F-4D97-AF65-F5344CB8AC3E}">
-        <p14:creationId xmlns:p14="http://schemas.microsoft.com/office/powerpoint/2010/main" xmlns="" val="3605858097"/>
+        <p14:creationId xmlns="" xmlns:p14="http://schemas.microsoft.com/office/powerpoint/2010/main" val="3605858097"/>
       </p:ext>
     </p:extLst>
   </p:cSld>
@@ -2086,7 +2086,7 @@
     </p:spTree>
     <p:extLst>
       <p:ext uri="{BB962C8B-B14F-4D97-AF65-F5344CB8AC3E}">
-        <p14:creationId xmlns:p14="http://schemas.microsoft.com/office/powerpoint/2010/main" xmlns="" val="638990120"/>
+        <p14:creationId xmlns="" xmlns:p14="http://schemas.microsoft.com/office/powerpoint/2010/main" val="638990120"/>
       </p:ext>
     </p:extLst>
   </p:cSld>
@@ -2282,7 +2282,7 @@
     </p:spTree>
     <p:extLst>
       <p:ext uri="{BB962C8B-B14F-4D97-AF65-F5344CB8AC3E}">
-        <p14:creationId xmlns:p14="http://schemas.microsoft.com/office/powerpoint/2010/main" xmlns="" val="3296354587"/>
+        <p14:creationId xmlns="" xmlns:p14="http://schemas.microsoft.com/office/powerpoint/2010/main" val="3296354587"/>
       </p:ext>
     </p:extLst>
   </p:cSld>
@@ -2332,7 +2332,7 @@
           <a:blip r:embed="rId13" cstate="print">
             <a:extLst>
               <a:ext uri="{28A0092B-C50C-407E-A947-70E740481C1C}">
-                <a14:useLocalDpi xmlns:a14="http://schemas.microsoft.com/office/drawing/2010/main" xmlns="" val="0"/>
+                <a14:useLocalDpi xmlns="" xmlns:a14="http://schemas.microsoft.com/office/drawing/2010/main" val="0"/>
               </a:ext>
             </a:extLst>
           </a:blip>
@@ -2355,14 +2355,14 @@
           </a:ln>
           <a:extLst>
             <a:ext uri="{909E8E84-426E-40DD-AFC4-6F175D3DCCD1}">
-              <a14:hiddenFill xmlns:a14="http://schemas.microsoft.com/office/drawing/2010/main" xmlns="">
+              <a14:hiddenFill xmlns="" xmlns:a14="http://schemas.microsoft.com/office/drawing/2010/main">
                 <a:solidFill>
                   <a:srgbClr val="FFFFFF"/>
                 </a:solidFill>
               </a14:hiddenFill>
             </a:ext>
             <a:ext uri="{91240B29-F687-4F45-9708-019B960494DF}">
-              <a14:hiddenLine xmlns:a14="http://schemas.microsoft.com/office/drawing/2010/main" xmlns="" w="9525">
+              <a14:hiddenLine xmlns="" xmlns:a14="http://schemas.microsoft.com/office/drawing/2010/main" w="9525">
                 <a:solidFill>
                   <a:srgbClr val="000000"/>
                 </a:solidFill>
@@ -2398,14 +2398,14 @@
           </a:ln>
           <a:extLst>
             <a:ext uri="{909E8E84-426E-40DD-AFC4-6F175D3DCCD1}">
-              <a14:hiddenFill xmlns:a14="http://schemas.microsoft.com/office/drawing/2010/main" xmlns="">
+              <a14:hiddenFill xmlns="" xmlns:a14="http://schemas.microsoft.com/office/drawing/2010/main">
                 <a:solidFill>
                   <a:srgbClr val="FFFFFF"/>
                 </a:solidFill>
               </a14:hiddenFill>
             </a:ext>
             <a:ext uri="{91240B29-F687-4F45-9708-019B960494DF}">
-              <a14:hiddenLine xmlns:a14="http://schemas.microsoft.com/office/drawing/2010/main" xmlns="" w="9525">
+              <a14:hiddenLine xmlns="" xmlns:a14="http://schemas.microsoft.com/office/drawing/2010/main" w="9525">
                 <a:solidFill>
                   <a:srgbClr val="000000"/>
                 </a:solidFill>
@@ -2456,14 +2456,14 @@
           </a:ln>
           <a:extLst>
             <a:ext uri="{909E8E84-426E-40DD-AFC4-6F175D3DCCD1}">
-              <a14:hiddenFill xmlns:a14="http://schemas.microsoft.com/office/drawing/2010/main" xmlns="">
+              <a14:hiddenFill xmlns="" xmlns:a14="http://schemas.microsoft.com/office/drawing/2010/main">
                 <a:solidFill>
                   <a:srgbClr val="FFFFFF"/>
                 </a:solidFill>
               </a14:hiddenFill>
             </a:ext>
             <a:ext uri="{91240B29-F687-4F45-9708-019B960494DF}">
-              <a14:hiddenLine xmlns:a14="http://schemas.microsoft.com/office/drawing/2010/main" xmlns="" w="9525">
+              <a14:hiddenLine xmlns="" xmlns:a14="http://schemas.microsoft.com/office/drawing/2010/main" w="9525">
                 <a:solidFill>
                   <a:srgbClr val="000000"/>
                 </a:solidFill>
@@ -2530,7 +2530,7 @@
           <a:blip r:embed="rId14" cstate="print">
             <a:extLst>
               <a:ext uri="{28A0092B-C50C-407E-A947-70E740481C1C}">
-                <a14:useLocalDpi xmlns:a14="http://schemas.microsoft.com/office/drawing/2010/main" xmlns="" val="0"/>
+                <a14:useLocalDpi xmlns="" xmlns:a14="http://schemas.microsoft.com/office/drawing/2010/main" val="0"/>
               </a:ext>
             </a:extLst>
           </a:blip>
@@ -2553,14 +2553,14 @@
           </a:ln>
           <a:extLst>
             <a:ext uri="{909E8E84-426E-40DD-AFC4-6F175D3DCCD1}">
-              <a14:hiddenFill xmlns:a14="http://schemas.microsoft.com/office/drawing/2010/main" xmlns="">
+              <a14:hiddenFill xmlns="" xmlns:a14="http://schemas.microsoft.com/office/drawing/2010/main">
                 <a:solidFill>
                   <a:srgbClr val="FFFFFF"/>
                 </a:solidFill>
               </a14:hiddenFill>
             </a:ext>
             <a:ext uri="{91240B29-F687-4F45-9708-019B960494DF}">
-              <a14:hiddenLine xmlns:a14="http://schemas.microsoft.com/office/drawing/2010/main" xmlns="" w="9525">
+              <a14:hiddenLine xmlns="" xmlns:a14="http://schemas.microsoft.com/office/drawing/2010/main" w="9525">
                 <a:solidFill>
                   <a:srgbClr val="000000"/>
                 </a:solidFill>
@@ -2584,7 +2584,7 @@
           <a:blip r:embed="rId15" cstate="print">
             <a:extLst>
               <a:ext uri="{28A0092B-C50C-407E-A947-70E740481C1C}">
-                <a14:useLocalDpi xmlns:a14="http://schemas.microsoft.com/office/drawing/2010/main" xmlns="" val="0"/>
+                <a14:useLocalDpi xmlns="" xmlns:a14="http://schemas.microsoft.com/office/drawing/2010/main" val="0"/>
               </a:ext>
             </a:extLst>
           </a:blip>
@@ -2607,14 +2607,14 @@
           </a:ln>
           <a:extLst>
             <a:ext uri="{909E8E84-426E-40DD-AFC4-6F175D3DCCD1}">
-              <a14:hiddenFill xmlns:a14="http://schemas.microsoft.com/office/drawing/2010/main" xmlns="">
+              <a14:hiddenFill xmlns="" xmlns:a14="http://schemas.microsoft.com/office/drawing/2010/main">
                 <a:solidFill>
                   <a:srgbClr val="FFFFFF"/>
                 </a:solidFill>
               </a14:hiddenFill>
             </a:ext>
             <a:ext uri="{91240B29-F687-4F45-9708-019B960494DF}">
-              <a14:hiddenLine xmlns:a14="http://schemas.microsoft.com/office/drawing/2010/main" xmlns="" w="9525">
+              <a14:hiddenLine xmlns="" xmlns:a14="http://schemas.microsoft.com/office/drawing/2010/main" w="9525">
                 <a:solidFill>
                   <a:srgbClr val="000000"/>
                 </a:solidFill>
@@ -3164,7 +3164,7 @@
     </p:spTree>
     <p:extLst>
       <p:ext uri="{BB962C8B-B14F-4D97-AF65-F5344CB8AC3E}">
-        <p14:creationId xmlns="" xmlns:p14="http://schemas.microsoft.com/office/powerpoint/2010/main" val="2190226897"/>
+        <p14:creationId xmlns:p14="http://schemas.microsoft.com/office/powerpoint/2010/main" xmlns="" val="2190226897"/>
       </p:ext>
     </p:extLst>
   </p:cSld>
@@ -3643,34 +3643,35 @@
       </p:sp>
       <p:pic>
         <p:nvPicPr>
-          <p:cNvPr id="5" name="Picture 4" descr="ClassDiagram.png"/>
-          <p:cNvPicPr/>
+          <p:cNvPr id="1027" name="Picture 3"/>
+          <p:cNvPicPr>
+            <a:picLocks noChangeAspect="1" noChangeArrowheads="1"/>
+          </p:cNvPicPr>
           <p:nvPr/>
         </p:nvPicPr>
         <p:blipFill>
           <a:blip r:embed="rId2"/>
+          <a:srcRect/>
           <a:stretch>
             <a:fillRect/>
           </a:stretch>
         </p:blipFill>
-        <p:spPr>
+        <p:spPr bwMode="auto">
           <a:xfrm>
-            <a:off x="1393197" y="762000"/>
-            <a:ext cx="5999824" cy="5867400"/>
+            <a:off x="1731264" y="762000"/>
+            <a:ext cx="5163703" cy="5792159"/>
           </a:xfrm>
           <a:prstGeom prst="rect">
             <a:avLst/>
           </a:prstGeom>
-          <a:ln>
+          <a:noFill/>
+          <a:ln w="9525">
             <a:noFill/>
+            <a:miter lim="800000"/>
+            <a:headEnd/>
+            <a:tailEnd/>
           </a:ln>
-          <a:effectLst>
-            <a:outerShdw blurRad="292100" dist="139700" dir="2700000" algn="tl" rotWithShape="0">
-              <a:srgbClr val="333333">
-                <a:alpha val="65000"/>
-              </a:srgbClr>
-            </a:outerShdw>
-          </a:effectLst>
+          <a:effectLst/>
         </p:spPr>
       </p:pic>
       <p:pic>
@@ -4447,13 +4448,8 @@
             <a:pPr lvl="1"/>
             <a:r>
               <a:rPr lang="en-US" dirty="0" smtClean="0"/>
-              <a:t>Web </a:t>
-            </a:r>
-            <a:r>
-              <a:rPr lang="en-US" dirty="0" smtClean="0"/>
-              <a:t>App</a:t>
-            </a:r>
-            <a:endParaRPr lang="en-US" dirty="0" smtClean="0"/>
+              <a:t>Web App</a:t>
+            </a:r>
           </a:p>
           <a:p>
             <a:pPr lvl="1"/>
@@ -4984,7 +4980,7 @@
           <a:blip r:embed="rId2">
             <a:extLst>
               <a:ext uri="{28A0092B-C50C-407E-A947-70E740481C1C}">
-                <a14:useLocalDpi xmlns:lc="http://schemas.openxmlformats.org/drawingml/2006/lockedCanvas" xmlns:pic="http://schemas.openxmlformats.org/drawingml/2006/picture" xmlns="" xmlns:wpc="http://schemas.microsoft.com/office/word/2010/wordprocessingCanvas" xmlns:mo="http://schemas.microsoft.com/office/mac/office/2008/main" xmlns:mc="http://schemas.openxmlformats.org/markup-compatibility/2006" xmlns:mv="urn:schemas-microsoft-com:mac:vml" xmlns:o="urn:schemas-microsoft-com:office:office" xmlns:v="urn:schemas-microsoft-com:vml" xmlns:wp14="http://schemas.microsoft.com/office/word/2010/wordprocessingDrawing" xmlns:w10="urn:schemas-microsoft-com:office:word" xmlns:w="http://schemas.openxmlformats.org/wordprocessingml/2006/main" xmlns:w14="http://schemas.microsoft.com/office/word/2010/wordml" xmlns:wpg="http://schemas.microsoft.com/office/word/2010/wordprocessingGroup" xmlns:wpi="http://schemas.microsoft.com/office/word/2010/wordprocessingInk" xmlns:wps="http://schemas.microsoft.com/office/word/2010/wordprocessingShape" xmlns:a14="http://schemas.microsoft.com/office/drawing/2010/main" xmlns:wne="http://schemas.microsoft.com/office/word/2006/wordml" xmlns:wp="http://schemas.openxmlformats.org/drawingml/2006/wordprocessingDrawing" xmlns:m="http://schemas.openxmlformats.org/officeDocument/2006/math" xmlns:ve="http://schemas.openxmlformats.org/markup-compatibility/2006" val="0"/>
+                <a14:useLocalDpi xmlns:ve="http://schemas.openxmlformats.org/markup-compatibility/2006" xmlns:m="http://schemas.openxmlformats.org/officeDocument/2006/math" xmlns:wp="http://schemas.openxmlformats.org/drawingml/2006/wordprocessingDrawing" xmlns:wne="http://schemas.microsoft.com/office/word/2006/wordml" xmlns:a14="http://schemas.microsoft.com/office/drawing/2010/main" xmlns:wps="http://schemas.microsoft.com/office/word/2010/wordprocessingShape" xmlns:wpi="http://schemas.microsoft.com/office/word/2010/wordprocessingInk" xmlns:wpg="http://schemas.microsoft.com/office/word/2010/wordprocessingGroup" xmlns:w14="http://schemas.microsoft.com/office/word/2010/wordml" xmlns:w="http://schemas.openxmlformats.org/wordprocessingml/2006/main" xmlns:w10="urn:schemas-microsoft-com:office:word" xmlns:wp14="http://schemas.microsoft.com/office/word/2010/wordprocessingDrawing" xmlns:v="urn:schemas-microsoft-com:vml" xmlns:o="urn:schemas-microsoft-com:office:office" xmlns:mv="urn:schemas-microsoft-com:mac:vml" xmlns:mc="http://schemas.openxmlformats.org/markup-compatibility/2006" xmlns:mo="http://schemas.microsoft.com/office/mac/office/2008/main" xmlns:wpc="http://schemas.microsoft.com/office/word/2010/wordprocessingCanvas" xmlns="" xmlns:pic="http://schemas.openxmlformats.org/drawingml/2006/picture" xmlns:lc="http://schemas.openxmlformats.org/drawingml/2006/lockedCanvas" val="0"/>
               </a:ext>
             </a:extLst>
           </a:blip>
@@ -5003,7 +4999,7 @@
           </a:prstGeom>
           <a:extLst>
             <a:ext uri="{FAA26D3D-D897-4be2-8F04-BA451C77F1D7}">
-              <ma14:placeholderFlag xmlns:lc="http://schemas.openxmlformats.org/drawingml/2006/lockedCanvas" xmlns:pic="http://schemas.openxmlformats.org/drawingml/2006/picture" xmlns="" xmlns:wpc="http://schemas.microsoft.com/office/word/2010/wordprocessingCanvas" xmlns:mo="http://schemas.microsoft.com/office/mac/office/2008/main" xmlns:mc="http://schemas.openxmlformats.org/markup-compatibility/2006" xmlns:mv="urn:schemas-microsoft-com:mac:vml" xmlns:o="urn:schemas-microsoft-com:office:office" xmlns:v="urn:schemas-microsoft-com:vml" xmlns:wp14="http://schemas.microsoft.com/office/word/2010/wordprocessingDrawing" xmlns:w10="urn:schemas-microsoft-com:office:word" xmlns:w="http://schemas.openxmlformats.org/wordprocessingml/2006/main" xmlns:w14="http://schemas.microsoft.com/office/word/2010/wordml" xmlns:wpg="http://schemas.microsoft.com/office/word/2010/wordprocessingGroup" xmlns:wpi="http://schemas.microsoft.com/office/word/2010/wordprocessingInk" xmlns:wps="http://schemas.microsoft.com/office/word/2010/wordprocessingShape" xmlns:ma14="http://schemas.microsoft.com/office/mac/drawingml/2011/main" xmlns:wne="http://schemas.microsoft.com/office/word/2006/wordml" xmlns:wp="http://schemas.openxmlformats.org/drawingml/2006/wordprocessingDrawing" xmlns:m="http://schemas.openxmlformats.org/officeDocument/2006/math" xmlns:ve="http://schemas.openxmlformats.org/markup-compatibility/2006"/>
+              <ma14:placeholderFlag xmlns:ve="http://schemas.openxmlformats.org/markup-compatibility/2006" xmlns:m="http://schemas.openxmlformats.org/officeDocument/2006/math" xmlns:wp="http://schemas.openxmlformats.org/drawingml/2006/wordprocessingDrawing" xmlns:wne="http://schemas.microsoft.com/office/word/2006/wordml" xmlns:ma14="http://schemas.microsoft.com/office/mac/drawingml/2011/main" xmlns:wps="http://schemas.microsoft.com/office/word/2010/wordprocessingShape" xmlns:wpi="http://schemas.microsoft.com/office/word/2010/wordprocessingInk" xmlns:wpg="http://schemas.microsoft.com/office/word/2010/wordprocessingGroup" xmlns:w14="http://schemas.microsoft.com/office/word/2010/wordml" xmlns:w="http://schemas.openxmlformats.org/wordprocessingml/2006/main" xmlns:w10="urn:schemas-microsoft-com:office:word" xmlns:wp14="http://schemas.microsoft.com/office/word/2010/wordprocessingDrawing" xmlns:v="urn:schemas-microsoft-com:vml" xmlns:o="urn:schemas-microsoft-com:office:office" xmlns:mv="urn:schemas-microsoft-com:mac:vml" xmlns:mc="http://schemas.openxmlformats.org/markup-compatibility/2006" xmlns:mo="http://schemas.microsoft.com/office/mac/office/2008/main" xmlns:wpc="http://schemas.microsoft.com/office/word/2010/wordprocessingCanvas" xmlns="" xmlns:pic="http://schemas.openxmlformats.org/drawingml/2006/picture" xmlns:lc="http://schemas.openxmlformats.org/drawingml/2006/lockedCanvas"/>
             </a:ext>
           </a:extLst>
         </p:spPr>
